--- a/lectures/lecture-25/Lecture-Live A00/Lecture 25 - Lecture.pptx
+++ b/lectures/lecture-25/Lecture-Live A00/Lecture 25 - Lecture.pptx
@@ -5,28 +5,29 @@
     <p:sldMasterId id="2147483660" r:id="rId1"/>
   </p:sldMasterIdLst>
   <p:notesMasterIdLst>
-    <p:notesMasterId r:id="rId6"/>
+    <p:notesMasterId r:id="rId7"/>
   </p:notesMasterIdLst>
   <p:sldIdLst>
     <p:sldId id="256" r:id="rId2"/>
     <p:sldId id="257" r:id="rId3"/>
     <p:sldId id="259" r:id="rId4"/>
     <p:sldId id="258" r:id="rId5"/>
+    <p:sldId id="260" r:id="rId6"/>
   </p:sldIdLst>
   <p:sldSz cx="9144000" cy="5143500" type="screen16x9"/>
   <p:notesSz cx="6858000" cy="9144000"/>
   <p:embeddedFontLst>
     <p:embeddedFont>
       <p:font typeface="Calibri" panose="020F0502020204030204" pitchFamily="34" charset="0"/>
-      <p:regular r:id="rId7"/>
-      <p:bold r:id="rId8"/>
-      <p:italic r:id="rId9"/>
-      <p:boldItalic r:id="rId10"/>
+      <p:regular r:id="rId8"/>
+      <p:bold r:id="rId9"/>
+      <p:italic r:id="rId10"/>
+      <p:boldItalic r:id="rId11"/>
     </p:embeddedFont>
     <p:embeddedFont>
       <p:font typeface="Calibri Light" panose="020F0302020204030204" pitchFamily="34" charset="0"/>
-      <p:regular r:id="rId11"/>
-      <p:italic r:id="rId12"/>
+      <p:regular r:id="rId12"/>
+      <p:italic r:id="rId13"/>
     </p:embeddedFont>
   </p:embeddedFontLst>
   <p:defaultTextStyle>
@@ -835,7 +836,7 @@
           <a:p>
             <a:fld id="{3A2BF66F-FEB0-48C1-A8B9-A73F54BB1A08}" type="datetimeFigureOut">
               <a:rPr lang="en-US" smtClean="0"/>
-              <a:t>5/23/2021</a:t>
+              <a:t>5/24/2021</a:t>
             </a:fld>
             <a:endParaRPr lang="en-US" dirty="0"/>
           </a:p>
@@ -1043,7 +1044,7 @@
           <a:p>
             <a:fld id="{3A2BF66F-FEB0-48C1-A8B9-A73F54BB1A08}" type="datetimeFigureOut">
               <a:rPr lang="en-US" smtClean="0"/>
-              <a:t>5/23/2021</a:t>
+              <a:t>5/24/2021</a:t>
             </a:fld>
             <a:endParaRPr lang="en-US" dirty="0"/>
           </a:p>
@@ -1261,7 +1262,7 @@
           <a:p>
             <a:fld id="{3A2BF66F-FEB0-48C1-A8B9-A73F54BB1A08}" type="datetimeFigureOut">
               <a:rPr lang="en-US" smtClean="0"/>
-              <a:t>5/23/2021</a:t>
+              <a:t>5/24/2021</a:t>
             </a:fld>
             <a:endParaRPr lang="en-US" dirty="0"/>
           </a:p>
@@ -1469,7 +1470,7 @@
           <a:p>
             <a:fld id="{3A2BF66F-FEB0-48C1-A8B9-A73F54BB1A08}" type="datetimeFigureOut">
               <a:rPr lang="en-US" smtClean="0"/>
-              <a:t>5/23/2021</a:t>
+              <a:t>5/24/2021</a:t>
             </a:fld>
             <a:endParaRPr lang="en-US" dirty="0"/>
           </a:p>
@@ -1754,7 +1755,7 @@
           <a:p>
             <a:fld id="{3A2BF66F-FEB0-48C1-A8B9-A73F54BB1A08}" type="datetimeFigureOut">
               <a:rPr lang="en-US" smtClean="0"/>
-              <a:t>5/23/2021</a:t>
+              <a:t>5/24/2021</a:t>
             </a:fld>
             <a:endParaRPr lang="en-US" dirty="0"/>
           </a:p>
@@ -2029,7 +2030,7 @@
           <a:p>
             <a:fld id="{3A2BF66F-FEB0-48C1-A8B9-A73F54BB1A08}" type="datetimeFigureOut">
               <a:rPr lang="en-US" smtClean="0"/>
-              <a:t>5/23/2021</a:t>
+              <a:t>5/24/2021</a:t>
             </a:fld>
             <a:endParaRPr lang="en-US" dirty="0"/>
           </a:p>
@@ -2451,7 +2452,7 @@
           <a:p>
             <a:fld id="{3A2BF66F-FEB0-48C1-A8B9-A73F54BB1A08}" type="datetimeFigureOut">
               <a:rPr lang="en-US" smtClean="0"/>
-              <a:t>5/23/2021</a:t>
+              <a:t>5/24/2021</a:t>
             </a:fld>
             <a:endParaRPr lang="en-US" dirty="0"/>
           </a:p>
@@ -2602,7 +2603,7 @@
           <a:p>
             <a:fld id="{3A2BF66F-FEB0-48C1-A8B9-A73F54BB1A08}" type="datetimeFigureOut">
               <a:rPr lang="en-US" smtClean="0"/>
-              <a:t>5/23/2021</a:t>
+              <a:t>5/24/2021</a:t>
             </a:fld>
             <a:endParaRPr lang="en-US" dirty="0"/>
           </a:p>
@@ -2725,7 +2726,7 @@
           <a:p>
             <a:fld id="{3A2BF66F-FEB0-48C1-A8B9-A73F54BB1A08}" type="datetimeFigureOut">
               <a:rPr lang="en-US" smtClean="0"/>
-              <a:t>5/23/2021</a:t>
+              <a:t>5/24/2021</a:t>
             </a:fld>
             <a:endParaRPr lang="en-US" dirty="0"/>
           </a:p>
@@ -3045,7 +3046,7 @@
           <a:p>
             <a:fld id="{3A2BF66F-FEB0-48C1-A8B9-A73F54BB1A08}" type="datetimeFigureOut">
               <a:rPr lang="en-US" smtClean="0"/>
-              <a:t>5/23/2021</a:t>
+              <a:t>5/24/2021</a:t>
             </a:fld>
             <a:endParaRPr lang="en-US" dirty="0"/>
           </a:p>
@@ -3343,7 +3344,7 @@
           <a:p>
             <a:fld id="{3A2BF66F-FEB0-48C1-A8B9-A73F54BB1A08}" type="datetimeFigureOut">
               <a:rPr lang="en-US" smtClean="0"/>
-              <a:t>5/23/2021</a:t>
+              <a:t>5/24/2021</a:t>
             </a:fld>
             <a:endParaRPr lang="en-US" dirty="0"/>
           </a:p>
@@ -3594,7 +3595,7 @@
           <a:p>
             <a:fld id="{3A2BF66F-FEB0-48C1-A8B9-A73F54BB1A08}" type="datetimeFigureOut">
               <a:rPr lang="en-US" smtClean="0"/>
-              <a:t>5/23/2021</a:t>
+              <a:t>5/24/2021</a:t>
             </a:fld>
             <a:endParaRPr lang="en-US" dirty="0"/>
           </a:p>
@@ -4536,6 +4537,108 @@
     <p:extLst>
       <p:ext uri="{BB962C8B-B14F-4D97-AF65-F5344CB8AC3E}">
         <p14:creationId xmlns:p14="http://schemas.microsoft.com/office/powerpoint/2010/main" val="2610176062"/>
+      </p:ext>
+    </p:extLst>
+  </p:cSld>
+  <p:clrMapOvr>
+    <a:masterClrMapping/>
+  </p:clrMapOvr>
+</p:sld>
+</file>
+
+<file path=ppt/slides/slide5.xml><?xml version="1.0" encoding="utf-8"?>
+<p:sld xmlns:a="http://schemas.openxmlformats.org/drawingml/2006/main" xmlns:r="http://schemas.openxmlformats.org/officeDocument/2006/relationships" xmlns:p="http://schemas.openxmlformats.org/presentationml/2006/main">
+  <p:cSld>
+    <p:spTree>
+      <p:nvGrpSpPr>
+        <p:cNvPr id="1" name=""/>
+        <p:cNvGrpSpPr/>
+        <p:nvPr/>
+      </p:nvGrpSpPr>
+      <p:grpSpPr>
+        <a:xfrm>
+          <a:off x="0" y="0"/>
+          <a:ext cx="0" cy="0"/>
+          <a:chOff x="0" y="0"/>
+          <a:chExt cx="0" cy="0"/>
+        </a:xfrm>
+      </p:grpSpPr>
+      <p:sp>
+        <p:nvSpPr>
+          <p:cNvPr id="2" name="Title 1">
+            <a:extLst>
+              <a:ext uri="{FF2B5EF4-FFF2-40B4-BE49-F238E27FC236}">
+                <a16:creationId xmlns:a16="http://schemas.microsoft.com/office/drawing/2014/main" id="{AC7863E0-AB9D-414B-A79B-909AC15EF631}"/>
+              </a:ext>
+            </a:extLst>
+          </p:cNvPr>
+          <p:cNvSpPr>
+            <a:spLocks noGrp="1"/>
+          </p:cNvSpPr>
+          <p:nvPr>
+            <p:ph type="title"/>
+          </p:nvPr>
+        </p:nvSpPr>
+        <p:spPr/>
+        <p:txBody>
+          <a:bodyPr/>
+          <a:lstStyle/>
+          <a:p>
+            <a:r>
+              <a:rPr lang="en-US" dirty="0"/>
+              <a:t>Equality</a:t>
+            </a:r>
+          </a:p>
+        </p:txBody>
+      </p:sp>
+      <p:sp>
+        <p:nvSpPr>
+          <p:cNvPr id="3" name="Content Placeholder 2">
+            <a:extLst>
+              <a:ext uri="{FF2B5EF4-FFF2-40B4-BE49-F238E27FC236}">
+                <a16:creationId xmlns:a16="http://schemas.microsoft.com/office/drawing/2014/main" id="{01AD1D55-D483-4A15-B6B9-F736020E8FE5}"/>
+              </a:ext>
+            </a:extLst>
+          </p:cNvPr>
+          <p:cNvSpPr>
+            <a:spLocks noGrp="1"/>
+          </p:cNvSpPr>
+          <p:nvPr>
+            <p:ph idx="1"/>
+          </p:nvPr>
+        </p:nvSpPr>
+        <p:spPr/>
+        <p:txBody>
+          <a:bodyPr/>
+          <a:lstStyle/>
+          <a:p>
+            <a:r>
+              <a:rPr lang="en-US" dirty="0"/>
+              <a:t>==</a:t>
+            </a:r>
+          </a:p>
+          <a:p>
+            <a:r>
+              <a:rPr lang="en-US" dirty="0" err="1"/>
+              <a:t>checkExpect</a:t>
+            </a:r>
+            <a:r>
+              <a:rPr lang="en-US" dirty="0"/>
+              <a:t>( ____ , ____ )</a:t>
+            </a:r>
+          </a:p>
+          <a:p>
+            <a:r>
+              <a:rPr lang="en-US" dirty="0"/>
+              <a:t>.equals( ____ )</a:t>
+            </a:r>
+          </a:p>
+        </p:txBody>
+      </p:sp>
+    </p:spTree>
+    <p:extLst>
+      <p:ext uri="{BB962C8B-B14F-4D97-AF65-F5344CB8AC3E}">
+        <p14:creationId xmlns:p14="http://schemas.microsoft.com/office/powerpoint/2010/main" val="3351607041"/>
       </p:ext>
     </p:extLst>
   </p:cSld>

--- a/lectures/lecture-25/Lecture-Live A00/Lecture 25 - Lecture.pptx
+++ b/lectures/lecture-25/Lecture-Live A00/Lecture 25 - Lecture.pptx
@@ -4072,7 +4072,7 @@
             </a:br>
             <a:r>
               <a:rPr lang="en-US" dirty="0"/>
-              <a:t>Lecture 24</a:t>
+              <a:t>Lecture 25</a:t>
             </a:r>
             <a:endParaRPr dirty="0"/>
           </a:p>
